--- a/2021-1st/20210331/2021_03_31.pptx
+++ b/2021-1st/20210331/2021_03_31.pptx
@@ -260,7 +260,7 @@
           <a:p>
             <a:fld id="{6CAC4FAA-3937-4C42-849F-24E667424F46}" type="datetimeFigureOut">
               <a:rPr lang="ko-KR" altLang="en-US" smtClean="0"/>
-              <a:t>2021-03-27</a:t>
+              <a:t>2021-03-28</a:t>
             </a:fld>
             <a:endParaRPr lang="ko-KR" altLang="en-US"/>
           </a:p>
@@ -458,7 +458,7 @@
           <a:p>
             <a:fld id="{6CAC4FAA-3937-4C42-849F-24E667424F46}" type="datetimeFigureOut">
               <a:rPr lang="ko-KR" altLang="en-US" smtClean="0"/>
-              <a:t>2021-03-27</a:t>
+              <a:t>2021-03-28</a:t>
             </a:fld>
             <a:endParaRPr lang="ko-KR" altLang="en-US"/>
           </a:p>
@@ -666,7 +666,7 @@
           <a:p>
             <a:fld id="{6CAC4FAA-3937-4C42-849F-24E667424F46}" type="datetimeFigureOut">
               <a:rPr lang="ko-KR" altLang="en-US" smtClean="0"/>
-              <a:t>2021-03-27</a:t>
+              <a:t>2021-03-28</a:t>
             </a:fld>
             <a:endParaRPr lang="ko-KR" altLang="en-US"/>
           </a:p>
@@ -864,7 +864,7 @@
           <a:p>
             <a:fld id="{6CAC4FAA-3937-4C42-849F-24E667424F46}" type="datetimeFigureOut">
               <a:rPr lang="ko-KR" altLang="en-US" smtClean="0"/>
-              <a:t>2021-03-27</a:t>
+              <a:t>2021-03-28</a:t>
             </a:fld>
             <a:endParaRPr lang="ko-KR" altLang="en-US"/>
           </a:p>
@@ -1139,7 +1139,7 @@
           <a:p>
             <a:fld id="{6CAC4FAA-3937-4C42-849F-24E667424F46}" type="datetimeFigureOut">
               <a:rPr lang="ko-KR" altLang="en-US" smtClean="0"/>
-              <a:t>2021-03-27</a:t>
+              <a:t>2021-03-28</a:t>
             </a:fld>
             <a:endParaRPr lang="ko-KR" altLang="en-US"/>
           </a:p>
@@ -1404,7 +1404,7 @@
           <a:p>
             <a:fld id="{6CAC4FAA-3937-4C42-849F-24E667424F46}" type="datetimeFigureOut">
               <a:rPr lang="ko-KR" altLang="en-US" smtClean="0"/>
-              <a:t>2021-03-27</a:t>
+              <a:t>2021-03-28</a:t>
             </a:fld>
             <a:endParaRPr lang="ko-KR" altLang="en-US"/>
           </a:p>
@@ -1816,7 +1816,7 @@
           <a:p>
             <a:fld id="{6CAC4FAA-3937-4C42-849F-24E667424F46}" type="datetimeFigureOut">
               <a:rPr lang="ko-KR" altLang="en-US" smtClean="0"/>
-              <a:t>2021-03-27</a:t>
+              <a:t>2021-03-28</a:t>
             </a:fld>
             <a:endParaRPr lang="ko-KR" altLang="en-US"/>
           </a:p>
@@ -1957,7 +1957,7 @@
           <a:p>
             <a:fld id="{6CAC4FAA-3937-4C42-849F-24E667424F46}" type="datetimeFigureOut">
               <a:rPr lang="ko-KR" altLang="en-US" smtClean="0"/>
-              <a:t>2021-03-27</a:t>
+              <a:t>2021-03-28</a:t>
             </a:fld>
             <a:endParaRPr lang="ko-KR" altLang="en-US"/>
           </a:p>
@@ -2070,7 +2070,7 @@
           <a:p>
             <a:fld id="{6CAC4FAA-3937-4C42-849F-24E667424F46}" type="datetimeFigureOut">
               <a:rPr lang="ko-KR" altLang="en-US" smtClean="0"/>
-              <a:t>2021-03-27</a:t>
+              <a:t>2021-03-28</a:t>
             </a:fld>
             <a:endParaRPr lang="ko-KR" altLang="en-US"/>
           </a:p>
@@ -2381,7 +2381,7 @@
           <a:p>
             <a:fld id="{6CAC4FAA-3937-4C42-849F-24E667424F46}" type="datetimeFigureOut">
               <a:rPr lang="ko-KR" altLang="en-US" smtClean="0"/>
-              <a:t>2021-03-27</a:t>
+              <a:t>2021-03-28</a:t>
             </a:fld>
             <a:endParaRPr lang="ko-KR" altLang="en-US"/>
           </a:p>
@@ -2669,7 +2669,7 @@
           <a:p>
             <a:fld id="{6CAC4FAA-3937-4C42-849F-24E667424F46}" type="datetimeFigureOut">
               <a:rPr lang="ko-KR" altLang="en-US" smtClean="0"/>
-              <a:t>2021-03-27</a:t>
+              <a:t>2021-03-28</a:t>
             </a:fld>
             <a:endParaRPr lang="ko-KR" altLang="en-US"/>
           </a:p>
@@ -2913,7 +2913,7 @@
           <a:p>
             <a:fld id="{6CAC4FAA-3937-4C42-849F-24E667424F46}" type="datetimeFigureOut">
               <a:rPr lang="ko-KR" altLang="en-US" smtClean="0"/>
-              <a:t>2021-03-27</a:t>
+              <a:t>2021-03-28</a:t>
             </a:fld>
             <a:endParaRPr lang="ko-KR" altLang="en-US"/>
           </a:p>
@@ -3489,13 +3489,10 @@
           <a:lstStyle/>
           <a:p>
             <a:r>
-              <a:rPr lang="en-US" altLang="ko-KR" dirty="0"/>
+              <a:rPr lang="en-US" altLang="ko-KR"/>
               <a:t>1867 </a:t>
             </a:r>
-            <a:r>
-              <a:rPr lang="ko-KR" altLang="en-US" dirty="0"/>
-              <a:t>없음</a:t>
-            </a:r>
+            <a:endParaRPr lang="ko-KR" altLang="en-US" dirty="0"/>
           </a:p>
         </p:txBody>
       </p:sp>

--- a/2021-1st/20210331/2021_03_31.pptx
+++ b/2021-1st/20210331/2021_03_31.pptx
@@ -7,6 +7,11 @@
   <p:sldIdLst>
     <p:sldId id="256" r:id="rId2"/>
     <p:sldId id="257" r:id="rId3"/>
+    <p:sldId id="258" r:id="rId4"/>
+    <p:sldId id="259" r:id="rId5"/>
+    <p:sldId id="260" r:id="rId6"/>
+    <p:sldId id="261" r:id="rId7"/>
+    <p:sldId id="262" r:id="rId8"/>
   </p:sldIdLst>
   <p:sldSz cx="12192000" cy="6858000"/>
   <p:notesSz cx="6858000" cy="9144000"/>
@@ -260,7 +265,7 @@
           <a:p>
             <a:fld id="{6CAC4FAA-3937-4C42-849F-24E667424F46}" type="datetimeFigureOut">
               <a:rPr lang="ko-KR" altLang="en-US" smtClean="0"/>
-              <a:t>2021-03-28</a:t>
+              <a:t>2021-03-29</a:t>
             </a:fld>
             <a:endParaRPr lang="ko-KR" altLang="en-US"/>
           </a:p>
@@ -458,7 +463,7 @@
           <a:p>
             <a:fld id="{6CAC4FAA-3937-4C42-849F-24E667424F46}" type="datetimeFigureOut">
               <a:rPr lang="ko-KR" altLang="en-US" smtClean="0"/>
-              <a:t>2021-03-28</a:t>
+              <a:t>2021-03-29</a:t>
             </a:fld>
             <a:endParaRPr lang="ko-KR" altLang="en-US"/>
           </a:p>
@@ -666,7 +671,7 @@
           <a:p>
             <a:fld id="{6CAC4FAA-3937-4C42-849F-24E667424F46}" type="datetimeFigureOut">
               <a:rPr lang="ko-KR" altLang="en-US" smtClean="0"/>
-              <a:t>2021-03-28</a:t>
+              <a:t>2021-03-29</a:t>
             </a:fld>
             <a:endParaRPr lang="ko-KR" altLang="en-US"/>
           </a:p>
@@ -864,7 +869,7 @@
           <a:p>
             <a:fld id="{6CAC4FAA-3937-4C42-849F-24E667424F46}" type="datetimeFigureOut">
               <a:rPr lang="ko-KR" altLang="en-US" smtClean="0"/>
-              <a:t>2021-03-28</a:t>
+              <a:t>2021-03-29</a:t>
             </a:fld>
             <a:endParaRPr lang="ko-KR" altLang="en-US"/>
           </a:p>
@@ -1139,7 +1144,7 @@
           <a:p>
             <a:fld id="{6CAC4FAA-3937-4C42-849F-24E667424F46}" type="datetimeFigureOut">
               <a:rPr lang="ko-KR" altLang="en-US" smtClean="0"/>
-              <a:t>2021-03-28</a:t>
+              <a:t>2021-03-29</a:t>
             </a:fld>
             <a:endParaRPr lang="ko-KR" altLang="en-US"/>
           </a:p>
@@ -1404,7 +1409,7 @@
           <a:p>
             <a:fld id="{6CAC4FAA-3937-4C42-849F-24E667424F46}" type="datetimeFigureOut">
               <a:rPr lang="ko-KR" altLang="en-US" smtClean="0"/>
-              <a:t>2021-03-28</a:t>
+              <a:t>2021-03-29</a:t>
             </a:fld>
             <a:endParaRPr lang="ko-KR" altLang="en-US"/>
           </a:p>
@@ -1816,7 +1821,7 @@
           <a:p>
             <a:fld id="{6CAC4FAA-3937-4C42-849F-24E667424F46}" type="datetimeFigureOut">
               <a:rPr lang="ko-KR" altLang="en-US" smtClean="0"/>
-              <a:t>2021-03-28</a:t>
+              <a:t>2021-03-29</a:t>
             </a:fld>
             <a:endParaRPr lang="ko-KR" altLang="en-US"/>
           </a:p>
@@ -1957,7 +1962,7 @@
           <a:p>
             <a:fld id="{6CAC4FAA-3937-4C42-849F-24E667424F46}" type="datetimeFigureOut">
               <a:rPr lang="ko-KR" altLang="en-US" smtClean="0"/>
-              <a:t>2021-03-28</a:t>
+              <a:t>2021-03-29</a:t>
             </a:fld>
             <a:endParaRPr lang="ko-KR" altLang="en-US"/>
           </a:p>
@@ -2070,7 +2075,7 @@
           <a:p>
             <a:fld id="{6CAC4FAA-3937-4C42-849F-24E667424F46}" type="datetimeFigureOut">
               <a:rPr lang="ko-KR" altLang="en-US" smtClean="0"/>
-              <a:t>2021-03-28</a:t>
+              <a:t>2021-03-29</a:t>
             </a:fld>
             <a:endParaRPr lang="ko-KR" altLang="en-US"/>
           </a:p>
@@ -2381,7 +2386,7 @@
           <a:p>
             <a:fld id="{6CAC4FAA-3937-4C42-849F-24E667424F46}" type="datetimeFigureOut">
               <a:rPr lang="ko-KR" altLang="en-US" smtClean="0"/>
-              <a:t>2021-03-28</a:t>
+              <a:t>2021-03-29</a:t>
             </a:fld>
             <a:endParaRPr lang="ko-KR" altLang="en-US"/>
           </a:p>
@@ -2669,7 +2674,7 @@
           <a:p>
             <a:fld id="{6CAC4FAA-3937-4C42-849F-24E667424F46}" type="datetimeFigureOut">
               <a:rPr lang="ko-KR" altLang="en-US" smtClean="0"/>
-              <a:t>2021-03-28</a:t>
+              <a:t>2021-03-29</a:t>
             </a:fld>
             <a:endParaRPr lang="ko-KR" altLang="en-US"/>
           </a:p>
@@ -2913,7 +2918,7 @@
           <a:p>
             <a:fld id="{6CAC4FAA-3937-4C42-849F-24E667424F46}" type="datetimeFigureOut">
               <a:rPr lang="ko-KR" altLang="en-US" smtClean="0"/>
-              <a:t>2021-03-28</a:t>
+              <a:t>2021-03-29</a:t>
             </a:fld>
             <a:endParaRPr lang="ko-KR" altLang="en-US"/>
           </a:p>
@@ -3538,6 +3543,623 @@
 </p:sld>
 </file>
 
+<file path=ppt/slides/slide3.xml><?xml version="1.0" encoding="utf-8"?>
+<p:sld xmlns:a="http://schemas.openxmlformats.org/drawingml/2006/main" xmlns:r="http://schemas.openxmlformats.org/officeDocument/2006/relationships" xmlns:p="http://schemas.openxmlformats.org/presentationml/2006/main">
+  <p:cSld>
+    <p:spTree>
+      <p:nvGrpSpPr>
+        <p:cNvPr id="1" name=""/>
+        <p:cNvGrpSpPr/>
+        <p:nvPr/>
+      </p:nvGrpSpPr>
+      <p:grpSpPr>
+        <a:xfrm>
+          <a:off x="0" y="0"/>
+          <a:ext cx="0" cy="0"/>
+          <a:chOff x="0" y="0"/>
+          <a:chExt cx="0" cy="0"/>
+        </a:xfrm>
+      </p:grpSpPr>
+      <p:sp>
+        <p:nvSpPr>
+          <p:cNvPr id="2" name="제목 1">
+            <a:extLst>
+              <a:ext uri="{FF2B5EF4-FFF2-40B4-BE49-F238E27FC236}">
+                <a16:creationId xmlns:a16="http://schemas.microsoft.com/office/drawing/2014/main" id="{F93FEDAE-9293-427A-B171-8790DBBC5612}"/>
+              </a:ext>
+            </a:extLst>
+          </p:cNvPr>
+          <p:cNvSpPr>
+            <a:spLocks noGrp="1"/>
+          </p:cNvSpPr>
+          <p:nvPr>
+            <p:ph type="title"/>
+          </p:nvPr>
+        </p:nvSpPr>
+        <p:spPr/>
+        <p:txBody>
+          <a:bodyPr/>
+          <a:lstStyle/>
+          <a:p>
+            <a:r>
+              <a:rPr lang="en-US" altLang="ko-KR" dirty="0"/>
+              <a:t>2557</a:t>
+            </a:r>
+            <a:endParaRPr lang="ko-KR" altLang="en-US" dirty="0"/>
+          </a:p>
+        </p:txBody>
+      </p:sp>
+      <p:sp>
+        <p:nvSpPr>
+          <p:cNvPr id="3" name="내용 개체 틀 2">
+            <a:extLst>
+              <a:ext uri="{FF2B5EF4-FFF2-40B4-BE49-F238E27FC236}">
+                <a16:creationId xmlns:a16="http://schemas.microsoft.com/office/drawing/2014/main" id="{BFD28C51-D1D6-4F52-9C1D-A74C2CC789F5}"/>
+              </a:ext>
+            </a:extLst>
+          </p:cNvPr>
+          <p:cNvSpPr>
+            <a:spLocks noGrp="1"/>
+          </p:cNvSpPr>
+          <p:nvPr>
+            <p:ph idx="1"/>
+          </p:nvPr>
+        </p:nvSpPr>
+        <p:spPr/>
+        <p:txBody>
+          <a:bodyPr/>
+          <a:lstStyle/>
+          <a:p>
+            <a:r>
+              <a:rPr lang="ko-KR" altLang="en-US" dirty="0"/>
+              <a:t>간단한 문제</a:t>
+            </a:r>
+            <a:endParaRPr lang="en-US" altLang="ko-KR" dirty="0"/>
+          </a:p>
+          <a:p>
+            <a:r>
+              <a:rPr lang="ko-KR" altLang="en-US" dirty="0" err="1"/>
+              <a:t>노솔브</a:t>
+            </a:r>
+            <a:r>
+              <a:rPr lang="en-US" altLang="ko-KR" dirty="0"/>
+              <a:t>(No</a:t>
+            </a:r>
+            <a:r>
+              <a:rPr lang="ko-KR" altLang="en-US" dirty="0"/>
+              <a:t> </a:t>
+            </a:r>
+            <a:r>
+              <a:rPr lang="en-US" altLang="ko-KR" dirty="0"/>
+              <a:t>Solve) </a:t>
+            </a:r>
+            <a:r>
+              <a:rPr lang="ko-KR" altLang="en-US" dirty="0"/>
+              <a:t>방지 문제</a:t>
+            </a:r>
+            <a:endParaRPr lang="en-US" altLang="ko-KR" dirty="0"/>
+          </a:p>
+          <a:p>
+            <a:r>
+              <a:rPr lang="en-US" altLang="ko-KR" dirty="0" err="1"/>
+              <a:t>Printf</a:t>
+            </a:r>
+            <a:r>
+              <a:rPr lang="en-US" altLang="ko-KR" dirty="0"/>
+              <a:t>, </a:t>
+            </a:r>
+            <a:r>
+              <a:rPr lang="en-US" altLang="ko-KR" dirty="0" err="1"/>
+              <a:t>cout</a:t>
+            </a:r>
+            <a:r>
+              <a:rPr lang="en-US" altLang="ko-KR" dirty="0"/>
+              <a:t> </a:t>
+            </a:r>
+            <a:r>
+              <a:rPr lang="ko-KR" altLang="en-US" dirty="0"/>
+              <a:t>아무거나 써도 된다</a:t>
+            </a:r>
+          </a:p>
+        </p:txBody>
+      </p:sp>
+    </p:spTree>
+    <p:extLst>
+      <p:ext uri="{BB962C8B-B14F-4D97-AF65-F5344CB8AC3E}">
+        <p14:creationId xmlns:p14="http://schemas.microsoft.com/office/powerpoint/2010/main" val="3761410316"/>
+      </p:ext>
+    </p:extLst>
+  </p:cSld>
+  <p:clrMapOvr>
+    <a:masterClrMapping/>
+  </p:clrMapOvr>
+</p:sld>
+</file>
+
+<file path=ppt/slides/slide4.xml><?xml version="1.0" encoding="utf-8"?>
+<p:sld xmlns:a="http://schemas.openxmlformats.org/drawingml/2006/main" xmlns:r="http://schemas.openxmlformats.org/officeDocument/2006/relationships" xmlns:p="http://schemas.openxmlformats.org/presentationml/2006/main">
+  <p:cSld>
+    <p:spTree>
+      <p:nvGrpSpPr>
+        <p:cNvPr id="1" name=""/>
+        <p:cNvGrpSpPr/>
+        <p:nvPr/>
+      </p:nvGrpSpPr>
+      <p:grpSpPr>
+        <a:xfrm>
+          <a:off x="0" y="0"/>
+          <a:ext cx="0" cy="0"/>
+          <a:chOff x="0" y="0"/>
+          <a:chExt cx="0" cy="0"/>
+        </a:xfrm>
+      </p:grpSpPr>
+      <p:sp>
+        <p:nvSpPr>
+          <p:cNvPr id="2" name="제목 1">
+            <a:extLst>
+              <a:ext uri="{FF2B5EF4-FFF2-40B4-BE49-F238E27FC236}">
+                <a16:creationId xmlns:a16="http://schemas.microsoft.com/office/drawing/2014/main" id="{EBB09F7F-7680-495A-A46D-3696F74E43A6}"/>
+              </a:ext>
+            </a:extLst>
+          </p:cNvPr>
+          <p:cNvSpPr>
+            <a:spLocks noGrp="1"/>
+          </p:cNvSpPr>
+          <p:nvPr>
+            <p:ph type="title"/>
+          </p:nvPr>
+        </p:nvSpPr>
+        <p:spPr/>
+        <p:txBody>
+          <a:bodyPr/>
+          <a:lstStyle/>
+          <a:p>
+            <a:r>
+              <a:rPr lang="en-US" altLang="ko-KR" dirty="0"/>
+              <a:t>4344</a:t>
+            </a:r>
+            <a:endParaRPr lang="ko-KR" altLang="en-US" dirty="0"/>
+          </a:p>
+        </p:txBody>
+      </p:sp>
+      <p:sp>
+        <p:nvSpPr>
+          <p:cNvPr id="3" name="내용 개체 틀 2">
+            <a:extLst>
+              <a:ext uri="{FF2B5EF4-FFF2-40B4-BE49-F238E27FC236}">
+                <a16:creationId xmlns:a16="http://schemas.microsoft.com/office/drawing/2014/main" id="{2B99FAB8-D462-4C47-A231-823C5F63D6FF}"/>
+              </a:ext>
+            </a:extLst>
+          </p:cNvPr>
+          <p:cNvSpPr>
+            <a:spLocks noGrp="1"/>
+          </p:cNvSpPr>
+          <p:nvPr>
+            <p:ph idx="1"/>
+          </p:nvPr>
+        </p:nvSpPr>
+        <p:spPr/>
+        <p:txBody>
+          <a:bodyPr/>
+          <a:lstStyle/>
+          <a:p>
+            <a:r>
+              <a:rPr lang="ko-KR" altLang="en-US" dirty="0"/>
+              <a:t>평균</a:t>
+            </a:r>
+            <a:r>
+              <a:rPr lang="en-US" altLang="ko-KR" dirty="0"/>
+              <a:t>(average)</a:t>
+            </a:r>
+            <a:r>
+              <a:rPr lang="ko-KR" altLang="en-US" dirty="0"/>
+              <a:t>을 구하고 평균을 넘는 학생들 수</a:t>
+            </a:r>
+            <a:r>
+              <a:rPr lang="en-US" altLang="ko-KR" dirty="0"/>
+              <a:t>(S)</a:t>
+            </a:r>
+            <a:r>
+              <a:rPr lang="ko-KR" altLang="en-US" dirty="0"/>
+              <a:t>를 구하자</a:t>
+            </a:r>
+            <a:endParaRPr lang="en-US" altLang="ko-KR" dirty="0"/>
+          </a:p>
+          <a:p>
+            <a:r>
+              <a:rPr lang="ko-KR" altLang="en-US" dirty="0"/>
+              <a:t>각 케이스의 정답은 </a:t>
+            </a:r>
+            <a:r>
+              <a:rPr lang="en-US" altLang="ko-KR" dirty="0"/>
+              <a:t>(S/N)*100</a:t>
+            </a:r>
+            <a:r>
+              <a:rPr lang="ko-KR" altLang="en-US" dirty="0"/>
+              <a:t>이다</a:t>
+            </a:r>
+          </a:p>
+        </p:txBody>
+      </p:sp>
+    </p:spTree>
+    <p:extLst>
+      <p:ext uri="{BB962C8B-B14F-4D97-AF65-F5344CB8AC3E}">
+        <p14:creationId xmlns:p14="http://schemas.microsoft.com/office/powerpoint/2010/main" val="3843263317"/>
+      </p:ext>
+    </p:extLst>
+  </p:cSld>
+  <p:clrMapOvr>
+    <a:masterClrMapping/>
+  </p:clrMapOvr>
+</p:sld>
+</file>
+
+<file path=ppt/slides/slide5.xml><?xml version="1.0" encoding="utf-8"?>
+<p:sld xmlns:a="http://schemas.openxmlformats.org/drawingml/2006/main" xmlns:r="http://schemas.openxmlformats.org/officeDocument/2006/relationships" xmlns:p="http://schemas.openxmlformats.org/presentationml/2006/main">
+  <p:cSld>
+    <p:spTree>
+      <p:nvGrpSpPr>
+        <p:cNvPr id="1" name=""/>
+        <p:cNvGrpSpPr/>
+        <p:nvPr/>
+      </p:nvGrpSpPr>
+      <p:grpSpPr>
+        <a:xfrm>
+          <a:off x="0" y="0"/>
+          <a:ext cx="0" cy="0"/>
+          <a:chOff x="0" y="0"/>
+          <a:chExt cx="0" cy="0"/>
+        </a:xfrm>
+      </p:grpSpPr>
+      <p:sp>
+        <p:nvSpPr>
+          <p:cNvPr id="2" name="제목 1">
+            <a:extLst>
+              <a:ext uri="{FF2B5EF4-FFF2-40B4-BE49-F238E27FC236}">
+                <a16:creationId xmlns:a16="http://schemas.microsoft.com/office/drawing/2014/main" id="{BC32FF44-78A6-444C-BCC6-2B7E35650310}"/>
+              </a:ext>
+            </a:extLst>
+          </p:cNvPr>
+          <p:cNvSpPr>
+            <a:spLocks noGrp="1"/>
+          </p:cNvSpPr>
+          <p:nvPr>
+            <p:ph type="title"/>
+          </p:nvPr>
+        </p:nvSpPr>
+        <p:spPr/>
+        <p:txBody>
+          <a:bodyPr/>
+          <a:lstStyle/>
+          <a:p>
+            <a:r>
+              <a:rPr lang="en-US" altLang="ko-KR" dirty="0"/>
+              <a:t>1929</a:t>
+            </a:r>
+            <a:endParaRPr lang="ko-KR" altLang="en-US" dirty="0"/>
+          </a:p>
+        </p:txBody>
+      </p:sp>
+      <p:sp>
+        <p:nvSpPr>
+          <p:cNvPr id="3" name="내용 개체 틀 2">
+            <a:extLst>
+              <a:ext uri="{FF2B5EF4-FFF2-40B4-BE49-F238E27FC236}">
+                <a16:creationId xmlns:a16="http://schemas.microsoft.com/office/drawing/2014/main" id="{E53A3CBA-B3AB-4FF6-AB6B-531F7E019F40}"/>
+              </a:ext>
+            </a:extLst>
+          </p:cNvPr>
+          <p:cNvSpPr>
+            <a:spLocks noGrp="1"/>
+          </p:cNvSpPr>
+          <p:nvPr>
+            <p:ph idx="1"/>
+          </p:nvPr>
+        </p:nvSpPr>
+        <p:spPr/>
+        <p:txBody>
+          <a:bodyPr/>
+          <a:lstStyle/>
+          <a:p>
+            <a:r>
+              <a:rPr lang="ko-KR" altLang="en-US" dirty="0" err="1"/>
+              <a:t>에라토스테네스의</a:t>
+            </a:r>
+            <a:r>
+              <a:rPr lang="ko-KR" altLang="en-US" dirty="0"/>
+              <a:t> 체를 이용하여 풀면 된다</a:t>
+            </a:r>
+            <a:endParaRPr lang="en-US" altLang="ko-KR" dirty="0"/>
+          </a:p>
+          <a:p>
+            <a:endParaRPr lang="ko-KR" altLang="en-US" dirty="0"/>
+          </a:p>
+        </p:txBody>
+      </p:sp>
+      <p:pic>
+        <p:nvPicPr>
+          <p:cNvPr id="1026" name="Picture 2" descr="37 에라토스테네스의 체 이해하기 - 에어클래스">
+            <a:extLst>
+              <a:ext uri="{FF2B5EF4-FFF2-40B4-BE49-F238E27FC236}">
+                <a16:creationId xmlns:a16="http://schemas.microsoft.com/office/drawing/2014/main" id="{8D7AA5CB-6F37-43C3-8A72-E3AA356DDB8C}"/>
+              </a:ext>
+            </a:extLst>
+          </p:cNvPr>
+          <p:cNvPicPr>
+            <a:picLocks noChangeAspect="1" noChangeArrowheads="1"/>
+          </p:cNvPicPr>
+          <p:nvPr/>
+        </p:nvPicPr>
+        <p:blipFill>
+          <a:blip r:embed="rId2">
+            <a:extLst>
+              <a:ext uri="{28A0092B-C50C-407E-A947-70E740481C1C}">
+                <a14:useLocalDpi xmlns:a14="http://schemas.microsoft.com/office/drawing/2010/main" val="0"/>
+              </a:ext>
+            </a:extLst>
+          </a:blip>
+          <a:srcRect/>
+          <a:stretch>
+            <a:fillRect/>
+          </a:stretch>
+        </p:blipFill>
+        <p:spPr bwMode="auto">
+          <a:xfrm>
+            <a:off x="1207731" y="2399315"/>
+            <a:ext cx="7283126" cy="4093560"/>
+          </a:xfrm>
+          <a:prstGeom prst="rect">
+            <a:avLst/>
+          </a:prstGeom>
+          <a:noFill/>
+          <a:extLst>
+            <a:ext uri="{909E8E84-426E-40DD-AFC4-6F175D3DCCD1}">
+              <a14:hiddenFill xmlns:a14="http://schemas.microsoft.com/office/drawing/2010/main">
+                <a:solidFill>
+                  <a:srgbClr val="FFFFFF"/>
+                </a:solidFill>
+              </a14:hiddenFill>
+            </a:ext>
+          </a:extLst>
+        </p:spPr>
+      </p:pic>
+    </p:spTree>
+    <p:extLst>
+      <p:ext uri="{BB962C8B-B14F-4D97-AF65-F5344CB8AC3E}">
+        <p14:creationId xmlns:p14="http://schemas.microsoft.com/office/powerpoint/2010/main" val="1285567591"/>
+      </p:ext>
+    </p:extLst>
+  </p:cSld>
+  <p:clrMapOvr>
+    <a:masterClrMapping/>
+  </p:clrMapOvr>
+</p:sld>
+</file>
+
+<file path=ppt/slides/slide6.xml><?xml version="1.0" encoding="utf-8"?>
+<p:sld xmlns:a="http://schemas.openxmlformats.org/drawingml/2006/main" xmlns:r="http://schemas.openxmlformats.org/officeDocument/2006/relationships" xmlns:p="http://schemas.openxmlformats.org/presentationml/2006/main">
+  <p:cSld>
+    <p:spTree>
+      <p:nvGrpSpPr>
+        <p:cNvPr id="1" name=""/>
+        <p:cNvGrpSpPr/>
+        <p:nvPr/>
+      </p:nvGrpSpPr>
+      <p:grpSpPr>
+        <a:xfrm>
+          <a:off x="0" y="0"/>
+          <a:ext cx="0" cy="0"/>
+          <a:chOff x="0" y="0"/>
+          <a:chExt cx="0" cy="0"/>
+        </a:xfrm>
+      </p:grpSpPr>
+      <p:sp>
+        <p:nvSpPr>
+          <p:cNvPr id="2" name="제목 1">
+            <a:extLst>
+              <a:ext uri="{FF2B5EF4-FFF2-40B4-BE49-F238E27FC236}">
+                <a16:creationId xmlns:a16="http://schemas.microsoft.com/office/drawing/2014/main" id="{65F75457-549A-4CC1-9E59-0232BF7B6689}"/>
+              </a:ext>
+            </a:extLst>
+          </p:cNvPr>
+          <p:cNvSpPr>
+            <a:spLocks noGrp="1"/>
+          </p:cNvSpPr>
+          <p:nvPr>
+            <p:ph type="title"/>
+          </p:nvPr>
+        </p:nvSpPr>
+        <p:spPr/>
+        <p:txBody>
+          <a:bodyPr/>
+          <a:lstStyle/>
+          <a:p>
+            <a:r>
+              <a:rPr lang="en-US" altLang="ko-KR" dirty="0"/>
+              <a:t>1427</a:t>
+            </a:r>
+            <a:endParaRPr lang="ko-KR" altLang="en-US" dirty="0"/>
+          </a:p>
+        </p:txBody>
+      </p:sp>
+      <p:sp>
+        <p:nvSpPr>
+          <p:cNvPr id="3" name="내용 개체 틀 2">
+            <a:extLst>
+              <a:ext uri="{FF2B5EF4-FFF2-40B4-BE49-F238E27FC236}">
+                <a16:creationId xmlns:a16="http://schemas.microsoft.com/office/drawing/2014/main" id="{B1E02048-3EF2-4928-AED6-316ED7AEA66E}"/>
+              </a:ext>
+            </a:extLst>
+          </p:cNvPr>
+          <p:cNvSpPr>
+            <a:spLocks noGrp="1"/>
+          </p:cNvSpPr>
+          <p:nvPr>
+            <p:ph idx="1"/>
+          </p:nvPr>
+        </p:nvSpPr>
+        <p:spPr/>
+        <p:txBody>
+          <a:bodyPr/>
+          <a:lstStyle/>
+          <a:p>
+            <a:r>
+              <a:rPr lang="ko-KR" altLang="en-US" dirty="0"/>
+              <a:t>문자열 </a:t>
+            </a:r>
+            <a:r>
+              <a:rPr lang="en-US" altLang="ko-KR" dirty="0"/>
+              <a:t>-&gt; </a:t>
+            </a:r>
+            <a:r>
+              <a:rPr lang="ko-KR" altLang="en-US" dirty="0"/>
+              <a:t>찢기</a:t>
+            </a:r>
+            <a:endParaRPr lang="en-US" altLang="ko-KR" dirty="0"/>
+          </a:p>
+          <a:p>
+            <a:r>
+              <a:rPr lang="en-US" altLang="ko-KR" dirty="0"/>
+              <a:t>10^9 &gt;= N </a:t>
+            </a:r>
+            <a:r>
+              <a:rPr lang="ko-KR" altLang="en-US" dirty="0"/>
+              <a:t>이니까 정수형으로 받은 다음에 찢기</a:t>
+            </a:r>
+          </a:p>
+        </p:txBody>
+      </p:sp>
+    </p:spTree>
+    <p:extLst>
+      <p:ext uri="{BB962C8B-B14F-4D97-AF65-F5344CB8AC3E}">
+        <p14:creationId xmlns:p14="http://schemas.microsoft.com/office/powerpoint/2010/main" val="66822384"/>
+      </p:ext>
+    </p:extLst>
+  </p:cSld>
+  <p:clrMapOvr>
+    <a:masterClrMapping/>
+  </p:clrMapOvr>
+</p:sld>
+</file>
+
+<file path=ppt/slides/slide7.xml><?xml version="1.0" encoding="utf-8"?>
+<p:sld xmlns:a="http://schemas.openxmlformats.org/drawingml/2006/main" xmlns:r="http://schemas.openxmlformats.org/officeDocument/2006/relationships" xmlns:p="http://schemas.openxmlformats.org/presentationml/2006/main">
+  <p:cSld>
+    <p:spTree>
+      <p:nvGrpSpPr>
+        <p:cNvPr id="1" name=""/>
+        <p:cNvGrpSpPr/>
+        <p:nvPr/>
+      </p:nvGrpSpPr>
+      <p:grpSpPr>
+        <a:xfrm>
+          <a:off x="0" y="0"/>
+          <a:ext cx="0" cy="0"/>
+          <a:chOff x="0" y="0"/>
+          <a:chExt cx="0" cy="0"/>
+        </a:xfrm>
+      </p:grpSpPr>
+      <p:sp>
+        <p:nvSpPr>
+          <p:cNvPr id="2" name="제목 1">
+            <a:extLst>
+              <a:ext uri="{FF2B5EF4-FFF2-40B4-BE49-F238E27FC236}">
+                <a16:creationId xmlns:a16="http://schemas.microsoft.com/office/drawing/2014/main" id="{69931A9E-32F0-47AC-9221-982FE18B8C47}"/>
+              </a:ext>
+            </a:extLst>
+          </p:cNvPr>
+          <p:cNvSpPr>
+            <a:spLocks noGrp="1"/>
+          </p:cNvSpPr>
+          <p:nvPr>
+            <p:ph type="title"/>
+          </p:nvPr>
+        </p:nvSpPr>
+        <p:spPr/>
+        <p:txBody>
+          <a:bodyPr/>
+          <a:lstStyle/>
+          <a:p>
+            <a:r>
+              <a:rPr lang="en-US" altLang="ko-KR" dirty="0"/>
+              <a:t>9461</a:t>
+            </a:r>
+            <a:endParaRPr lang="ko-KR" altLang="en-US" dirty="0"/>
+          </a:p>
+        </p:txBody>
+      </p:sp>
+      <p:sp>
+        <p:nvSpPr>
+          <p:cNvPr id="3" name="내용 개체 틀 2">
+            <a:extLst>
+              <a:ext uri="{FF2B5EF4-FFF2-40B4-BE49-F238E27FC236}">
+                <a16:creationId xmlns:a16="http://schemas.microsoft.com/office/drawing/2014/main" id="{10D1030C-9B6F-4223-B9D8-2B1EE9AE5BD7}"/>
+              </a:ext>
+            </a:extLst>
+          </p:cNvPr>
+          <p:cNvSpPr>
+            <a:spLocks noGrp="1"/>
+          </p:cNvSpPr>
+          <p:nvPr>
+            <p:ph idx="1"/>
+          </p:nvPr>
+        </p:nvSpPr>
+        <p:spPr/>
+        <p:txBody>
+          <a:bodyPr/>
+          <a:lstStyle/>
+          <a:p>
+            <a:r>
+              <a:rPr lang="en-US" altLang="ko-KR" dirty="0"/>
+              <a:t>P(11)=12, 3,9</a:t>
+            </a:r>
+            <a:r>
+              <a:rPr lang="ko-KR" altLang="en-US" dirty="0"/>
+              <a:t>로 만들어짐</a:t>
+            </a:r>
+            <a:endParaRPr lang="en-US" altLang="ko-KR" dirty="0"/>
+          </a:p>
+          <a:p>
+            <a:r>
+              <a:rPr lang="en-US" altLang="ko-KR" dirty="0"/>
+              <a:t>P(10)=9 2,7</a:t>
+            </a:r>
+            <a:r>
+              <a:rPr lang="ko-KR" altLang="en-US" dirty="0"/>
+              <a:t>로 만들어짐</a:t>
+            </a:r>
+            <a:endParaRPr lang="en-US" altLang="ko-KR" dirty="0"/>
+          </a:p>
+          <a:p>
+            <a:r>
+              <a:rPr lang="en-US" altLang="ko-KR" dirty="0"/>
+              <a:t>P(N)=?+? </a:t>
+            </a:r>
+            <a:r>
+              <a:rPr lang="ko-KR" altLang="en-US" dirty="0"/>
+              <a:t>로 표현이 가능하다</a:t>
+            </a:r>
+            <a:r>
+              <a:rPr lang="en-US" altLang="ko-KR" dirty="0"/>
+              <a:t>.</a:t>
+            </a:r>
+            <a:endParaRPr lang="ko-KR" altLang="en-US" dirty="0"/>
+          </a:p>
+        </p:txBody>
+      </p:sp>
+    </p:spTree>
+    <p:extLst>
+      <p:ext uri="{BB962C8B-B14F-4D97-AF65-F5344CB8AC3E}">
+        <p14:creationId xmlns:p14="http://schemas.microsoft.com/office/powerpoint/2010/main" val="1345740750"/>
+      </p:ext>
+    </p:extLst>
+  </p:cSld>
+  <p:clrMapOvr>
+    <a:masterClrMapping/>
+  </p:clrMapOvr>
+</p:sld>
+</file>
+
 <file path=ppt/theme/theme1.xml><?xml version="1.0" encoding="utf-8"?>
 <a:theme xmlns:a="http://schemas.openxmlformats.org/drawingml/2006/main" name="Office 테마">
   <a:themeElements>
